--- a/prezentacio/Magyar Földeken.pptx
+++ b/prezentacio/Magyar Földeken.pptx
@@ -265,7 +265,7 @@
           <a:p>
             <a:fld id="{63B06D56-3F6A-4050-8535-D106BA41135A}" type="datetimeFigureOut">
               <a:rPr lang="hu-HU" smtClean="0"/>
-              <a:t>2024. 10. 10.</a:t>
+              <a:t>2024. 12. 19.</a:t>
             </a:fld>
             <a:endParaRPr lang="hu-HU"/>
           </a:p>
@@ -463,7 +463,7 @@
           <a:p>
             <a:fld id="{63B06D56-3F6A-4050-8535-D106BA41135A}" type="datetimeFigureOut">
               <a:rPr lang="hu-HU" smtClean="0"/>
-              <a:t>2024. 10. 10.</a:t>
+              <a:t>2024. 12. 19.</a:t>
             </a:fld>
             <a:endParaRPr lang="hu-HU"/>
           </a:p>
@@ -671,7 +671,7 @@
           <a:p>
             <a:fld id="{63B06D56-3F6A-4050-8535-D106BA41135A}" type="datetimeFigureOut">
               <a:rPr lang="hu-HU" smtClean="0"/>
-              <a:t>2024. 10. 10.</a:t>
+              <a:t>2024. 12. 19.</a:t>
             </a:fld>
             <a:endParaRPr lang="hu-HU"/>
           </a:p>
@@ -869,7 +869,7 @@
           <a:p>
             <a:fld id="{63B06D56-3F6A-4050-8535-D106BA41135A}" type="datetimeFigureOut">
               <a:rPr lang="hu-HU" smtClean="0"/>
-              <a:t>2024. 10. 10.</a:t>
+              <a:t>2024. 12. 19.</a:t>
             </a:fld>
             <a:endParaRPr lang="hu-HU"/>
           </a:p>
@@ -1144,7 +1144,7 @@
           <a:p>
             <a:fld id="{63B06D56-3F6A-4050-8535-D106BA41135A}" type="datetimeFigureOut">
               <a:rPr lang="hu-HU" smtClean="0"/>
-              <a:t>2024. 10. 10.</a:t>
+              <a:t>2024. 12. 19.</a:t>
             </a:fld>
             <a:endParaRPr lang="hu-HU"/>
           </a:p>
@@ -1409,7 +1409,7 @@
           <a:p>
             <a:fld id="{63B06D56-3F6A-4050-8535-D106BA41135A}" type="datetimeFigureOut">
               <a:rPr lang="hu-HU" smtClean="0"/>
-              <a:t>2024. 10. 10.</a:t>
+              <a:t>2024. 12. 19.</a:t>
             </a:fld>
             <a:endParaRPr lang="hu-HU"/>
           </a:p>
@@ -1821,7 +1821,7 @@
           <a:p>
             <a:fld id="{63B06D56-3F6A-4050-8535-D106BA41135A}" type="datetimeFigureOut">
               <a:rPr lang="hu-HU" smtClean="0"/>
-              <a:t>2024. 10. 10.</a:t>
+              <a:t>2024. 12. 19.</a:t>
             </a:fld>
             <a:endParaRPr lang="hu-HU"/>
           </a:p>
@@ -1962,7 +1962,7 @@
           <a:p>
             <a:fld id="{63B06D56-3F6A-4050-8535-D106BA41135A}" type="datetimeFigureOut">
               <a:rPr lang="hu-HU" smtClean="0"/>
-              <a:t>2024. 10. 10.</a:t>
+              <a:t>2024. 12. 19.</a:t>
             </a:fld>
             <a:endParaRPr lang="hu-HU"/>
           </a:p>
@@ -2075,7 +2075,7 @@
           <a:p>
             <a:fld id="{63B06D56-3F6A-4050-8535-D106BA41135A}" type="datetimeFigureOut">
               <a:rPr lang="hu-HU" smtClean="0"/>
-              <a:t>2024. 10. 10.</a:t>
+              <a:t>2024. 12. 19.</a:t>
             </a:fld>
             <a:endParaRPr lang="hu-HU"/>
           </a:p>
@@ -2386,7 +2386,7 @@
           <a:p>
             <a:fld id="{63B06D56-3F6A-4050-8535-D106BA41135A}" type="datetimeFigureOut">
               <a:rPr lang="hu-HU" smtClean="0"/>
-              <a:t>2024. 10. 10.</a:t>
+              <a:t>2024. 12. 19.</a:t>
             </a:fld>
             <a:endParaRPr lang="hu-HU"/>
           </a:p>
@@ -2674,7 +2674,7 @@
           <a:p>
             <a:fld id="{63B06D56-3F6A-4050-8535-D106BA41135A}" type="datetimeFigureOut">
               <a:rPr lang="hu-HU" smtClean="0"/>
-              <a:t>2024. 10. 10.</a:t>
+              <a:t>2024. 12. 19.</a:t>
             </a:fld>
             <a:endParaRPr lang="hu-HU"/>
           </a:p>
@@ -2915,7 +2915,7 @@
           <a:p>
             <a:fld id="{63B06D56-3F6A-4050-8535-D106BA41135A}" type="datetimeFigureOut">
               <a:rPr lang="hu-HU" smtClean="0"/>
-              <a:t>2024. 10. 10.</a:t>
+              <a:t>2024. 12. 19.</a:t>
             </a:fld>
             <a:endParaRPr lang="hu-HU"/>
           </a:p>
@@ -3621,8 +3621,8 @@
         </p:blipFill>
         <p:spPr>
           <a:xfrm>
-            <a:off x="8185212" y="0"/>
-            <a:ext cx="4006788" cy="3005091"/>
+            <a:off x="8068887" y="3765665"/>
+            <a:ext cx="4123113" cy="3092335"/>
           </a:xfrm>
           <a:prstGeom prst="rect">
             <a:avLst/>
@@ -3956,8 +3956,8 @@
         </p:blipFill>
         <p:spPr>
           <a:xfrm>
-            <a:off x="8185212" y="0"/>
-            <a:ext cx="4006788" cy="2671192"/>
+            <a:off x="7054734" y="3433156"/>
+            <a:ext cx="5137266" cy="3424844"/>
           </a:xfrm>
           <a:prstGeom prst="rect">
             <a:avLst/>
@@ -4126,7 +4126,7 @@
           <p:nvPr/>
         </p:nvPicPr>
         <p:blipFill>
-          <a:blip r:embed="rId2">
+          <a:blip r:embed="rId2" cstate="hqprint">
             <a:extLst>
               <a:ext uri="{28A0092B-C50C-407E-A947-70E740481C1C}">
                 <a14:useLocalDpi xmlns:a14="http://schemas.microsoft.com/office/drawing/2010/main" val="0"/>
@@ -4139,8 +4139,8 @@
         </p:blipFill>
         <p:spPr>
           <a:xfrm>
-            <a:off x="8182753" y="0"/>
-            <a:ext cx="4009248" cy="2672179"/>
+            <a:off x="6878869" y="3316778"/>
+            <a:ext cx="5313132" cy="3541222"/>
           </a:xfrm>
           <a:prstGeom prst="rect">
             <a:avLst/>
@@ -4256,8 +4256,8 @@
           <a:lstStyle/>
           <a:p>
             <a:r>
-              <a:rPr lang="hu-HU" dirty="0" err="1"/>
-              <a:t>MySQL</a:t>
+              <a:rPr lang="hu-HU" dirty="0" err="1" smtClean="0"/>
+              <a:t>SQlite</a:t>
             </a:r>
             <a:endParaRPr lang="hu-HU" dirty="0"/>
           </a:p>
@@ -4297,8 +4297,8 @@
         </p:blipFill>
         <p:spPr>
           <a:xfrm>
-            <a:off x="8181683" y="0"/>
-            <a:ext cx="4010317" cy="2317072"/>
+            <a:off x="3738226" y="1027906"/>
+            <a:ext cx="8085724" cy="4671752"/>
           </a:xfrm>
           <a:prstGeom prst="rect">
             <a:avLst/>
